--- a/test.pptx
+++ b/test.pptx
@@ -10,6 +10,13 @@
     <p:sldId id="258" r:id="rId9"/>
     <p:sldId id="259" r:id="rId10"/>
     <p:sldId id="260" r:id="rId11"/>
+    <p:sldId id="261" r:id="rId12"/>
+    <p:sldId id="262" r:id="rId13"/>
+    <p:sldId id="263" r:id="rId14"/>
+    <p:sldId id="264" r:id="rId15"/>
+    <p:sldId id="265" r:id="rId16"/>
+    <p:sldId id="266" r:id="rId17"/>
+    <p:sldId id="267" r:id="rId18"/>
   </p:sldIdLst>
   <p:sldSz cx="9144000" cy="6858000" type="screen4x3"/>
   <p:notesSz cx="6858000" cy="9144000"/>
@@ -3129,7 +3136,7 @@
           <a:lstStyle/>
           <a:p>
             <a:r>
-              <a:t>python-pptx was here!</a:t>
+              <a:t>python-pptx was here!変更</a:t>
             </a:r>
           </a:p>
         </p:txBody>
@@ -3142,7 +3149,7 @@
 </p:sld>
 </file>
 
-<file path=ppt/slides/slide2.xml><?xml version="1.0" encoding="utf-8"?>
+<file path=ppt/slides/slide10.xml><?xml version="1.0" encoding="utf-8"?>
 <p:sld xmlns:a="http://schemas.openxmlformats.org/drawingml/2006/main" xmlns:p="http://schemas.openxmlformats.org/presentationml/2006/main" xmlns:r="http://schemas.openxmlformats.org/officeDocument/2006/relationships">
   <p:cSld>
     <p:spTree>
@@ -3472,7 +3479,7 @@
 </p:sld>
 </file>
 
-<file path=ppt/slides/slide3.xml><?xml version="1.0" encoding="utf-8"?>
+<file path=ppt/slides/slide11.xml><?xml version="1.0" encoding="utf-8"?>
 <p:sld xmlns:a="http://schemas.openxmlformats.org/drawingml/2006/main" xmlns:p="http://schemas.openxmlformats.org/presentationml/2006/main" xmlns:r="http://schemas.openxmlformats.org/officeDocument/2006/relationships">
   <p:cSld>
     <p:spTree>
@@ -3802,7 +3809,7 @@
 </p:sld>
 </file>
 
-<file path=ppt/slides/slide4.xml><?xml version="1.0" encoding="utf-8"?>
+<file path=ppt/slides/slide12.xml><?xml version="1.0" encoding="utf-8"?>
 <p:sld xmlns:a="http://schemas.openxmlformats.org/drawingml/2006/main" xmlns:p="http://schemas.openxmlformats.org/presentationml/2006/main" xmlns:r="http://schemas.openxmlformats.org/officeDocument/2006/relationships">
   <p:cSld>
     <p:spTree>
@@ -4132,7 +4139,2317 @@
 </p:sld>
 </file>
 
+<file path=ppt/slides/slide2.xml><?xml version="1.0" encoding="utf-8"?>
+<p:sld xmlns:a="http://schemas.openxmlformats.org/drawingml/2006/main" xmlns:p="http://schemas.openxmlformats.org/presentationml/2006/main" xmlns:r="http://schemas.openxmlformats.org/officeDocument/2006/relationships">
+  <p:cSld>
+    <p:spTree>
+      <p:nvGrpSpPr>
+        <p:cNvPr id="1" name=""/>
+        <p:cNvGrpSpPr/>
+        <p:nvPr/>
+      </p:nvGrpSpPr>
+      <p:grpSpPr/>
+      <p:sp>
+        <p:nvSpPr>
+          <p:cNvPr id="2" name="Title 1"/>
+          <p:cNvSpPr>
+            <a:spLocks noGrp="1"/>
+          </p:cNvSpPr>
+          <p:nvPr>
+            <p:ph type="ctrTitle"/>
+          </p:nvPr>
+        </p:nvSpPr>
+        <p:spPr/>
+        <p:txBody>
+          <a:bodyPr/>
+          <a:lstStyle/>
+          <a:p/>
+        </p:txBody>
+      </p:sp>
+      <p:sp>
+        <p:nvSpPr>
+          <p:cNvPr id="3" name="Subtitle 2"/>
+          <p:cNvSpPr>
+            <a:spLocks noGrp="1"/>
+          </p:cNvSpPr>
+          <p:nvPr>
+            <p:ph type="subTitle" idx="1"/>
+          </p:nvPr>
+        </p:nvSpPr>
+        <p:spPr/>
+        <p:txBody>
+          <a:bodyPr/>
+          <a:lstStyle/>
+          <a:p/>
+        </p:txBody>
+      </p:sp>
+      <p:graphicFrame>
+        <p:nvGraphicFramePr>
+          <p:cNvPr id="4" name="Table 3"/>
+          <p:cNvGraphicFramePr>
+            <a:graphicFrameLocks noGrp="1"/>
+          </p:cNvGraphicFramePr>
+          <p:nvPr/>
+        </p:nvGraphicFramePr>
+        <p:xfrm>
+          <a:off x="1440000" y="1440000"/>
+          <a:ext cx="1440000" cy="1440000"/>
+        </p:xfrm>
+        <a:graphic>
+          <a:graphicData uri="http://schemas.openxmlformats.org/drawingml/2006/table">
+            <a:tbl>
+              <a:tblPr firstRow="1" bandRow="1">
+                <a:tableStyleId>{5C22544A-7EE6-4342-B048-85BDC9FD1C3A}</a:tableStyleId>
+              </a:tblPr>
+              <a:tblGrid>
+                <a:gridCol w="360000"/>
+                <a:gridCol w="360000"/>
+                <a:gridCol w="360000"/>
+                <a:gridCol w="360000"/>
+              </a:tblGrid>
+              <a:tr h="288000">
+                <a:tc>
+                  <a:txBody>
+                    <a:bodyPr/>
+                    <a:lstStyle/>
+                    <a:p>
+                      <a:r>
+                        <a:t>District</a:t>
+                      </a:r>
+                    </a:p>
+                  </a:txBody>
+                  <a:tcPr/>
+                </a:tc>
+                <a:tc>
+                  <a:txBody>
+                    <a:bodyPr/>
+                    <a:lstStyle/>
+                    <a:p>
+                      <a:r>
+                        <a:t>Population</a:t>
+                      </a:r>
+                    </a:p>
+                  </a:txBody>
+                  <a:tcPr/>
+                </a:tc>
+                <a:tc>
+                  <a:txBody>
+                    <a:bodyPr/>
+                    <a:lstStyle/>
+                    <a:p>
+                      <a:r>
+                        <a:t>Ratio</a:t>
+                      </a:r>
+                    </a:p>
+                  </a:txBody>
+                  <a:tcPr/>
+                </a:tc>
+                <a:tc>
+                  <a:txBody>
+                    <a:bodyPr/>
+                    <a:lstStyle/>
+                    <a:p>
+                      <a:r>
+                        <a:t>dddd</a:t>
+                      </a:r>
+                    </a:p>
+                  </a:txBody>
+                  <a:tcPr/>
+                </a:tc>
+              </a:tr>
+              <a:tr h="288000">
+                <a:tc>
+                  <a:txBody>
+                    <a:bodyPr/>
+                    <a:lstStyle/>
+                    <a:p>
+                      <a:r>
+                        <a:t>Hampshire</a:t>
+                      </a:r>
+                    </a:p>
+                  </a:txBody>
+                  <a:tcPr/>
+                </a:tc>
+                <a:tc>
+                  <a:txBody>
+                    <a:bodyPr/>
+                    <a:lstStyle/>
+                    <a:p>
+                      <a:r>
+                        <a:t>25000</a:t>
+                      </a:r>
+                    </a:p>
+                  </a:txBody>
+                  <a:tcPr/>
+                </a:tc>
+                <a:tc>
+                  <a:txBody>
+                    <a:bodyPr/>
+                    <a:lstStyle/>
+                    <a:p>
+                      <a:r>
+                        <a:t>1.56</a:t>
+                      </a:r>
+                    </a:p>
+                  </a:txBody>
+                  <a:tcPr/>
+                </a:tc>
+                <a:tc>
+                  <a:txBody>
+                    <a:bodyPr/>
+                    <a:lstStyle/>
+                    <a:p>
+                      <a:r>
+                        <a:t>15</a:t>
+                      </a:r>
+                    </a:p>
+                  </a:txBody>
+                  <a:tcPr/>
+                </a:tc>
+              </a:tr>
+              <a:tr h="288000">
+                <a:tc>
+                  <a:txBody>
+                    <a:bodyPr/>
+                    <a:lstStyle/>
+                    <a:p>
+                      <a:r>
+                        <a:t>Dorset</a:t>
+                      </a:r>
+                    </a:p>
+                  </a:txBody>
+                  <a:tcPr/>
+                </a:tc>
+                <a:tc>
+                  <a:txBody>
+                    <a:bodyPr/>
+                    <a:lstStyle/>
+                    <a:p>
+                      <a:r>
+                        <a:t>500000</a:t>
+                      </a:r>
+                    </a:p>
+                  </a:txBody>
+                  <a:tcPr/>
+                </a:tc>
+                <a:tc>
+                  <a:txBody>
+                    <a:bodyPr/>
+                    <a:lstStyle/>
+                    <a:p>
+                      <a:r>
+                        <a:t>7.34</a:t>
+                      </a:r>
+                    </a:p>
+                  </a:txBody>
+                  <a:tcPr/>
+                </a:tc>
+                <a:tc>
+                  <a:txBody>
+                    <a:bodyPr/>
+                    <a:lstStyle/>
+                    <a:p>
+                      <a:r>
+                        <a:t>65</a:t>
+                      </a:r>
+                    </a:p>
+                  </a:txBody>
+                  <a:tcPr/>
+                </a:tc>
+              </a:tr>
+              <a:tr h="288000">
+                <a:tc>
+                  <a:txBody>
+                    <a:bodyPr/>
+                    <a:lstStyle/>
+                    <a:p>
+                      <a:r>
+                        <a:t>Wiltshire</a:t>
+                      </a:r>
+                    </a:p>
+                  </a:txBody>
+                  <a:tcPr/>
+                </a:tc>
+                <a:tc>
+                  <a:txBody>
+                    <a:bodyPr/>
+                    <a:lstStyle/>
+                    <a:p>
+                      <a:r>
+                        <a:t>735298</a:t>
+                      </a:r>
+                    </a:p>
+                  </a:txBody>
+                  <a:tcPr/>
+                </a:tc>
+                <a:tc>
+                  <a:txBody>
+                    <a:bodyPr/>
+                    <a:lstStyle/>
+                    <a:p>
+                      <a:r>
+                        <a:t>3.67</a:t>
+                      </a:r>
+                    </a:p>
+                  </a:txBody>
+                  <a:tcPr/>
+                </a:tc>
+                <a:tc>
+                  <a:txBody>
+                    <a:bodyPr/>
+                    <a:lstStyle/>
+                    <a:p>
+                      <a:r>
+                        <a:t>25</a:t>
+                      </a:r>
+                    </a:p>
+                  </a:txBody>
+                  <a:tcPr/>
+                </a:tc>
+              </a:tr>
+              <a:tr h="288000">
+                <a:tc>
+                  <a:txBody>
+                    <a:bodyPr/>
+                    <a:lstStyle/>
+                    <a:p>
+                      <a:r>
+                        <a:t>Worcestershire</a:t>
+                      </a:r>
+                    </a:p>
+                  </a:txBody>
+                  <a:tcPr/>
+                </a:tc>
+                <a:tc>
+                  <a:txBody>
+                    <a:bodyPr/>
+                    <a:lstStyle/>
+                    <a:p>
+                      <a:r>
+                        <a:t>12653</a:t>
+                      </a:r>
+                    </a:p>
+                  </a:txBody>
+                  <a:tcPr/>
+                </a:tc>
+                <a:tc>
+                  <a:txBody>
+                    <a:bodyPr/>
+                    <a:lstStyle/>
+                    <a:p>
+                      <a:r>
+                        <a:t>8.23</a:t>
+                      </a:r>
+                    </a:p>
+                  </a:txBody>
+                  <a:tcPr/>
+                </a:tc>
+                <a:tc>
+                  <a:txBody>
+                    <a:bodyPr/>
+                    <a:lstStyle/>
+                    <a:p>
+                      <a:r>
+                        <a:t>65</a:t>
+                      </a:r>
+                    </a:p>
+                  </a:txBody>
+                  <a:tcPr/>
+                </a:tc>
+              </a:tr>
+            </a:tbl>
+          </a:graphicData>
+        </a:graphic>
+      </p:graphicFrame>
+    </p:spTree>
+  </p:cSld>
+  <p:clrMapOvr>
+    <a:masterClrMapping/>
+  </p:clrMapOvr>
+</p:sld>
+</file>
+
+<file path=ppt/slides/slide3.xml><?xml version="1.0" encoding="utf-8"?>
+<p:sld xmlns:a="http://schemas.openxmlformats.org/drawingml/2006/main" xmlns:p="http://schemas.openxmlformats.org/presentationml/2006/main" xmlns:r="http://schemas.openxmlformats.org/officeDocument/2006/relationships">
+  <p:cSld>
+    <p:spTree>
+      <p:nvGrpSpPr>
+        <p:cNvPr id="1" name=""/>
+        <p:cNvGrpSpPr/>
+        <p:nvPr/>
+      </p:nvGrpSpPr>
+      <p:grpSpPr/>
+      <p:sp>
+        <p:nvSpPr>
+          <p:cNvPr id="2" name="Title 1"/>
+          <p:cNvSpPr>
+            <a:spLocks noGrp="1"/>
+          </p:cNvSpPr>
+          <p:nvPr>
+            <p:ph type="ctrTitle"/>
+          </p:nvPr>
+        </p:nvSpPr>
+        <p:spPr/>
+        <p:txBody>
+          <a:bodyPr/>
+          <a:lstStyle/>
+          <a:p/>
+        </p:txBody>
+      </p:sp>
+      <p:sp>
+        <p:nvSpPr>
+          <p:cNvPr id="3" name="Subtitle 2"/>
+          <p:cNvSpPr>
+            <a:spLocks noGrp="1"/>
+          </p:cNvSpPr>
+          <p:nvPr>
+            <p:ph type="subTitle" idx="1"/>
+          </p:nvPr>
+        </p:nvSpPr>
+        <p:spPr/>
+        <p:txBody>
+          <a:bodyPr/>
+          <a:lstStyle/>
+          <a:p/>
+        </p:txBody>
+      </p:sp>
+      <p:graphicFrame>
+        <p:nvGraphicFramePr>
+          <p:cNvPr id="4" name="Table 3"/>
+          <p:cNvGraphicFramePr>
+            <a:graphicFrameLocks noGrp="1"/>
+          </p:cNvGraphicFramePr>
+          <p:nvPr/>
+        </p:nvGraphicFramePr>
+        <p:xfrm>
+          <a:off x="1440000" y="1440000"/>
+          <a:ext cx="1440000" cy="1440000"/>
+        </p:xfrm>
+        <a:graphic>
+          <a:graphicData uri="http://schemas.openxmlformats.org/drawingml/2006/table">
+            <a:tbl>
+              <a:tblPr firstRow="1" bandRow="1">
+                <a:tableStyleId>{5C22544A-7EE6-4342-B048-85BDC9FD1C3A}</a:tableStyleId>
+              </a:tblPr>
+              <a:tblGrid>
+                <a:gridCol w="360000"/>
+                <a:gridCol w="360000"/>
+                <a:gridCol w="360000"/>
+                <a:gridCol w="360000"/>
+              </a:tblGrid>
+              <a:tr h="288000">
+                <a:tc>
+                  <a:txBody>
+                    <a:bodyPr/>
+                    <a:lstStyle/>
+                    <a:p>
+                      <a:r>
+                        <a:t>District</a:t>
+                      </a:r>
+                    </a:p>
+                  </a:txBody>
+                  <a:tcPr/>
+                </a:tc>
+                <a:tc>
+                  <a:txBody>
+                    <a:bodyPr/>
+                    <a:lstStyle/>
+                    <a:p>
+                      <a:r>
+                        <a:t>Population</a:t>
+                      </a:r>
+                    </a:p>
+                  </a:txBody>
+                  <a:tcPr/>
+                </a:tc>
+                <a:tc>
+                  <a:txBody>
+                    <a:bodyPr/>
+                    <a:lstStyle/>
+                    <a:p>
+                      <a:r>
+                        <a:t>Ratio</a:t>
+                      </a:r>
+                    </a:p>
+                  </a:txBody>
+                  <a:tcPr/>
+                </a:tc>
+                <a:tc>
+                  <a:txBody>
+                    <a:bodyPr/>
+                    <a:lstStyle/>
+                    <a:p>
+                      <a:r>
+                        <a:t>dddd</a:t>
+                      </a:r>
+                    </a:p>
+                  </a:txBody>
+                  <a:tcPr/>
+                </a:tc>
+              </a:tr>
+              <a:tr h="288000">
+                <a:tc>
+                  <a:txBody>
+                    <a:bodyPr/>
+                    <a:lstStyle/>
+                    <a:p>
+                      <a:r>
+                        <a:t>Hampshire</a:t>
+                      </a:r>
+                    </a:p>
+                  </a:txBody>
+                  <a:tcPr/>
+                </a:tc>
+                <a:tc>
+                  <a:txBody>
+                    <a:bodyPr/>
+                    <a:lstStyle/>
+                    <a:p>
+                      <a:r>
+                        <a:t>25000</a:t>
+                      </a:r>
+                    </a:p>
+                  </a:txBody>
+                  <a:tcPr/>
+                </a:tc>
+                <a:tc>
+                  <a:txBody>
+                    <a:bodyPr/>
+                    <a:lstStyle/>
+                    <a:p>
+                      <a:r>
+                        <a:t>1.56</a:t>
+                      </a:r>
+                    </a:p>
+                  </a:txBody>
+                  <a:tcPr/>
+                </a:tc>
+                <a:tc>
+                  <a:txBody>
+                    <a:bodyPr/>
+                    <a:lstStyle/>
+                    <a:p>
+                      <a:r>
+                        <a:t>15</a:t>
+                      </a:r>
+                    </a:p>
+                  </a:txBody>
+                  <a:tcPr/>
+                </a:tc>
+              </a:tr>
+              <a:tr h="288000">
+                <a:tc>
+                  <a:txBody>
+                    <a:bodyPr/>
+                    <a:lstStyle/>
+                    <a:p>
+                      <a:r>
+                        <a:t>Dorset</a:t>
+                      </a:r>
+                    </a:p>
+                  </a:txBody>
+                  <a:tcPr/>
+                </a:tc>
+                <a:tc>
+                  <a:txBody>
+                    <a:bodyPr/>
+                    <a:lstStyle/>
+                    <a:p>
+                      <a:r>
+                        <a:t>500000</a:t>
+                      </a:r>
+                    </a:p>
+                  </a:txBody>
+                  <a:tcPr/>
+                </a:tc>
+                <a:tc>
+                  <a:txBody>
+                    <a:bodyPr/>
+                    <a:lstStyle/>
+                    <a:p>
+                      <a:r>
+                        <a:t>7.34</a:t>
+                      </a:r>
+                    </a:p>
+                  </a:txBody>
+                  <a:tcPr/>
+                </a:tc>
+                <a:tc>
+                  <a:txBody>
+                    <a:bodyPr/>
+                    <a:lstStyle/>
+                    <a:p>
+                      <a:r>
+                        <a:t>65</a:t>
+                      </a:r>
+                    </a:p>
+                  </a:txBody>
+                  <a:tcPr/>
+                </a:tc>
+              </a:tr>
+              <a:tr h="288000">
+                <a:tc>
+                  <a:txBody>
+                    <a:bodyPr/>
+                    <a:lstStyle/>
+                    <a:p>
+                      <a:r>
+                        <a:t>Wiltshire</a:t>
+                      </a:r>
+                    </a:p>
+                  </a:txBody>
+                  <a:tcPr/>
+                </a:tc>
+                <a:tc>
+                  <a:txBody>
+                    <a:bodyPr/>
+                    <a:lstStyle/>
+                    <a:p>
+                      <a:r>
+                        <a:t>735298</a:t>
+                      </a:r>
+                    </a:p>
+                  </a:txBody>
+                  <a:tcPr/>
+                </a:tc>
+                <a:tc>
+                  <a:txBody>
+                    <a:bodyPr/>
+                    <a:lstStyle/>
+                    <a:p>
+                      <a:r>
+                        <a:t>3.67</a:t>
+                      </a:r>
+                    </a:p>
+                  </a:txBody>
+                  <a:tcPr/>
+                </a:tc>
+                <a:tc>
+                  <a:txBody>
+                    <a:bodyPr/>
+                    <a:lstStyle/>
+                    <a:p>
+                      <a:r>
+                        <a:t>25</a:t>
+                      </a:r>
+                    </a:p>
+                  </a:txBody>
+                  <a:tcPr/>
+                </a:tc>
+              </a:tr>
+              <a:tr h="288000">
+                <a:tc>
+                  <a:txBody>
+                    <a:bodyPr/>
+                    <a:lstStyle/>
+                    <a:p>
+                      <a:r>
+                        <a:t>Worcestershire</a:t>
+                      </a:r>
+                    </a:p>
+                  </a:txBody>
+                  <a:tcPr/>
+                </a:tc>
+                <a:tc>
+                  <a:txBody>
+                    <a:bodyPr/>
+                    <a:lstStyle/>
+                    <a:p>
+                      <a:r>
+                        <a:t>12653</a:t>
+                      </a:r>
+                    </a:p>
+                  </a:txBody>
+                  <a:tcPr/>
+                </a:tc>
+                <a:tc>
+                  <a:txBody>
+                    <a:bodyPr/>
+                    <a:lstStyle/>
+                    <a:p>
+                      <a:r>
+                        <a:t>8.23</a:t>
+                      </a:r>
+                    </a:p>
+                  </a:txBody>
+                  <a:tcPr/>
+                </a:tc>
+                <a:tc>
+                  <a:txBody>
+                    <a:bodyPr/>
+                    <a:lstStyle/>
+                    <a:p>
+                      <a:r>
+                        <a:t>65</a:t>
+                      </a:r>
+                    </a:p>
+                  </a:txBody>
+                  <a:tcPr/>
+                </a:tc>
+              </a:tr>
+            </a:tbl>
+          </a:graphicData>
+        </a:graphic>
+      </p:graphicFrame>
+    </p:spTree>
+  </p:cSld>
+  <p:clrMapOvr>
+    <a:masterClrMapping/>
+  </p:clrMapOvr>
+</p:sld>
+</file>
+
+<file path=ppt/slides/slide4.xml><?xml version="1.0" encoding="utf-8"?>
+<p:sld xmlns:a="http://schemas.openxmlformats.org/drawingml/2006/main" xmlns:p="http://schemas.openxmlformats.org/presentationml/2006/main" xmlns:r="http://schemas.openxmlformats.org/officeDocument/2006/relationships">
+  <p:cSld>
+    <p:spTree>
+      <p:nvGrpSpPr>
+        <p:cNvPr id="1" name=""/>
+        <p:cNvGrpSpPr/>
+        <p:nvPr/>
+      </p:nvGrpSpPr>
+      <p:grpSpPr/>
+      <p:sp>
+        <p:nvSpPr>
+          <p:cNvPr id="2" name="Title 1"/>
+          <p:cNvSpPr>
+            <a:spLocks noGrp="1"/>
+          </p:cNvSpPr>
+          <p:nvPr>
+            <p:ph type="ctrTitle"/>
+          </p:nvPr>
+        </p:nvSpPr>
+        <p:spPr/>
+        <p:txBody>
+          <a:bodyPr/>
+          <a:lstStyle/>
+          <a:p/>
+        </p:txBody>
+      </p:sp>
+      <p:sp>
+        <p:nvSpPr>
+          <p:cNvPr id="3" name="Subtitle 2"/>
+          <p:cNvSpPr>
+            <a:spLocks noGrp="1"/>
+          </p:cNvSpPr>
+          <p:nvPr>
+            <p:ph type="subTitle" idx="1"/>
+          </p:nvPr>
+        </p:nvSpPr>
+        <p:spPr/>
+        <p:txBody>
+          <a:bodyPr/>
+          <a:lstStyle/>
+          <a:p/>
+        </p:txBody>
+      </p:sp>
+      <p:graphicFrame>
+        <p:nvGraphicFramePr>
+          <p:cNvPr id="4" name="Table 3"/>
+          <p:cNvGraphicFramePr>
+            <a:graphicFrameLocks noGrp="1"/>
+          </p:cNvGraphicFramePr>
+          <p:nvPr/>
+        </p:nvGraphicFramePr>
+        <p:xfrm>
+          <a:off x="1440000" y="1440000"/>
+          <a:ext cx="1440000" cy="1440000"/>
+        </p:xfrm>
+        <a:graphic>
+          <a:graphicData uri="http://schemas.openxmlformats.org/drawingml/2006/table">
+            <a:tbl>
+              <a:tblPr firstRow="1" bandRow="1">
+                <a:tableStyleId>{5C22544A-7EE6-4342-B048-85BDC9FD1C3A}</a:tableStyleId>
+              </a:tblPr>
+              <a:tblGrid>
+                <a:gridCol w="360000"/>
+                <a:gridCol w="360000"/>
+                <a:gridCol w="360000"/>
+                <a:gridCol w="360000"/>
+              </a:tblGrid>
+              <a:tr h="288000">
+                <a:tc>
+                  <a:txBody>
+                    <a:bodyPr/>
+                    <a:lstStyle/>
+                    <a:p>
+                      <a:r>
+                        <a:t>District</a:t>
+                      </a:r>
+                    </a:p>
+                  </a:txBody>
+                  <a:tcPr/>
+                </a:tc>
+                <a:tc>
+                  <a:txBody>
+                    <a:bodyPr/>
+                    <a:lstStyle/>
+                    <a:p>
+                      <a:r>
+                        <a:t>Population</a:t>
+                      </a:r>
+                    </a:p>
+                  </a:txBody>
+                  <a:tcPr/>
+                </a:tc>
+                <a:tc>
+                  <a:txBody>
+                    <a:bodyPr/>
+                    <a:lstStyle/>
+                    <a:p>
+                      <a:r>
+                        <a:t>Ratio</a:t>
+                      </a:r>
+                    </a:p>
+                  </a:txBody>
+                  <a:tcPr/>
+                </a:tc>
+                <a:tc>
+                  <a:txBody>
+                    <a:bodyPr/>
+                    <a:lstStyle/>
+                    <a:p>
+                      <a:r>
+                        <a:t>dddd</a:t>
+                      </a:r>
+                    </a:p>
+                  </a:txBody>
+                  <a:tcPr/>
+                </a:tc>
+              </a:tr>
+              <a:tr h="288000">
+                <a:tc>
+                  <a:txBody>
+                    <a:bodyPr/>
+                    <a:lstStyle/>
+                    <a:p>
+                      <a:r>
+                        <a:t>Hampshire</a:t>
+                      </a:r>
+                    </a:p>
+                  </a:txBody>
+                  <a:tcPr/>
+                </a:tc>
+                <a:tc>
+                  <a:txBody>
+                    <a:bodyPr/>
+                    <a:lstStyle/>
+                    <a:p>
+                      <a:r>
+                        <a:t>25000</a:t>
+                      </a:r>
+                    </a:p>
+                  </a:txBody>
+                  <a:tcPr/>
+                </a:tc>
+                <a:tc>
+                  <a:txBody>
+                    <a:bodyPr/>
+                    <a:lstStyle/>
+                    <a:p>
+                      <a:r>
+                        <a:t>1.56</a:t>
+                      </a:r>
+                    </a:p>
+                  </a:txBody>
+                  <a:tcPr/>
+                </a:tc>
+                <a:tc>
+                  <a:txBody>
+                    <a:bodyPr/>
+                    <a:lstStyle/>
+                    <a:p>
+                      <a:r>
+                        <a:t>15</a:t>
+                      </a:r>
+                    </a:p>
+                  </a:txBody>
+                  <a:tcPr/>
+                </a:tc>
+              </a:tr>
+              <a:tr h="288000">
+                <a:tc>
+                  <a:txBody>
+                    <a:bodyPr/>
+                    <a:lstStyle/>
+                    <a:p>
+                      <a:r>
+                        <a:t>Dorset</a:t>
+                      </a:r>
+                    </a:p>
+                  </a:txBody>
+                  <a:tcPr/>
+                </a:tc>
+                <a:tc>
+                  <a:txBody>
+                    <a:bodyPr/>
+                    <a:lstStyle/>
+                    <a:p>
+                      <a:r>
+                        <a:t>500000</a:t>
+                      </a:r>
+                    </a:p>
+                  </a:txBody>
+                  <a:tcPr/>
+                </a:tc>
+                <a:tc>
+                  <a:txBody>
+                    <a:bodyPr/>
+                    <a:lstStyle/>
+                    <a:p>
+                      <a:r>
+                        <a:t>7.34</a:t>
+                      </a:r>
+                    </a:p>
+                  </a:txBody>
+                  <a:tcPr/>
+                </a:tc>
+                <a:tc>
+                  <a:txBody>
+                    <a:bodyPr/>
+                    <a:lstStyle/>
+                    <a:p>
+                      <a:r>
+                        <a:t>65</a:t>
+                      </a:r>
+                    </a:p>
+                  </a:txBody>
+                  <a:tcPr/>
+                </a:tc>
+              </a:tr>
+              <a:tr h="288000">
+                <a:tc>
+                  <a:txBody>
+                    <a:bodyPr/>
+                    <a:lstStyle/>
+                    <a:p>
+                      <a:r>
+                        <a:t>Wiltshire</a:t>
+                      </a:r>
+                    </a:p>
+                  </a:txBody>
+                  <a:tcPr/>
+                </a:tc>
+                <a:tc>
+                  <a:txBody>
+                    <a:bodyPr/>
+                    <a:lstStyle/>
+                    <a:p>
+                      <a:r>
+                        <a:t>735298</a:t>
+                      </a:r>
+                    </a:p>
+                  </a:txBody>
+                  <a:tcPr/>
+                </a:tc>
+                <a:tc>
+                  <a:txBody>
+                    <a:bodyPr/>
+                    <a:lstStyle/>
+                    <a:p>
+                      <a:r>
+                        <a:t>3.67</a:t>
+                      </a:r>
+                    </a:p>
+                  </a:txBody>
+                  <a:tcPr/>
+                </a:tc>
+                <a:tc>
+                  <a:txBody>
+                    <a:bodyPr/>
+                    <a:lstStyle/>
+                    <a:p>
+                      <a:r>
+                        <a:t>25</a:t>
+                      </a:r>
+                    </a:p>
+                  </a:txBody>
+                  <a:tcPr/>
+                </a:tc>
+              </a:tr>
+              <a:tr h="288000">
+                <a:tc>
+                  <a:txBody>
+                    <a:bodyPr/>
+                    <a:lstStyle/>
+                    <a:p>
+                      <a:r>
+                        <a:t>Worcestershire</a:t>
+                      </a:r>
+                    </a:p>
+                  </a:txBody>
+                  <a:tcPr/>
+                </a:tc>
+                <a:tc>
+                  <a:txBody>
+                    <a:bodyPr/>
+                    <a:lstStyle/>
+                    <a:p>
+                      <a:r>
+                        <a:t>12653</a:t>
+                      </a:r>
+                    </a:p>
+                  </a:txBody>
+                  <a:tcPr/>
+                </a:tc>
+                <a:tc>
+                  <a:txBody>
+                    <a:bodyPr/>
+                    <a:lstStyle/>
+                    <a:p>
+                      <a:r>
+                        <a:t>8.23</a:t>
+                      </a:r>
+                    </a:p>
+                  </a:txBody>
+                  <a:tcPr/>
+                </a:tc>
+                <a:tc>
+                  <a:txBody>
+                    <a:bodyPr/>
+                    <a:lstStyle/>
+                    <a:p>
+                      <a:r>
+                        <a:t>65</a:t>
+                      </a:r>
+                    </a:p>
+                  </a:txBody>
+                  <a:tcPr/>
+                </a:tc>
+              </a:tr>
+            </a:tbl>
+          </a:graphicData>
+        </a:graphic>
+      </p:graphicFrame>
+    </p:spTree>
+  </p:cSld>
+  <p:clrMapOvr>
+    <a:masterClrMapping/>
+  </p:clrMapOvr>
+</p:sld>
+</file>
+
 <file path=ppt/slides/slide5.xml><?xml version="1.0" encoding="utf-8"?>
+<p:sld xmlns:a="http://schemas.openxmlformats.org/drawingml/2006/main" xmlns:p="http://schemas.openxmlformats.org/presentationml/2006/main" xmlns:r="http://schemas.openxmlformats.org/officeDocument/2006/relationships">
+  <p:cSld>
+    <p:spTree>
+      <p:nvGrpSpPr>
+        <p:cNvPr id="1" name=""/>
+        <p:cNvGrpSpPr/>
+        <p:nvPr/>
+      </p:nvGrpSpPr>
+      <p:grpSpPr/>
+      <p:sp>
+        <p:nvSpPr>
+          <p:cNvPr id="2" name="Title 1"/>
+          <p:cNvSpPr>
+            <a:spLocks noGrp="1"/>
+          </p:cNvSpPr>
+          <p:nvPr>
+            <p:ph type="ctrTitle"/>
+          </p:nvPr>
+        </p:nvSpPr>
+        <p:spPr/>
+        <p:txBody>
+          <a:bodyPr/>
+          <a:lstStyle/>
+          <a:p/>
+        </p:txBody>
+      </p:sp>
+      <p:sp>
+        <p:nvSpPr>
+          <p:cNvPr id="3" name="Subtitle 2"/>
+          <p:cNvSpPr>
+            <a:spLocks noGrp="1"/>
+          </p:cNvSpPr>
+          <p:nvPr>
+            <p:ph type="subTitle" idx="1"/>
+          </p:nvPr>
+        </p:nvSpPr>
+        <p:spPr/>
+        <p:txBody>
+          <a:bodyPr/>
+          <a:lstStyle/>
+          <a:p/>
+        </p:txBody>
+      </p:sp>
+      <p:graphicFrame>
+        <p:nvGraphicFramePr>
+          <p:cNvPr id="4" name="Table 3"/>
+          <p:cNvGraphicFramePr>
+            <a:graphicFrameLocks noGrp="1"/>
+          </p:cNvGraphicFramePr>
+          <p:nvPr/>
+        </p:nvGraphicFramePr>
+        <p:xfrm>
+          <a:off x="1440000" y="1440000"/>
+          <a:ext cx="1440000" cy="1440000"/>
+        </p:xfrm>
+        <a:graphic>
+          <a:graphicData uri="http://schemas.openxmlformats.org/drawingml/2006/table">
+            <a:tbl>
+              <a:tblPr firstRow="1" bandRow="1">
+                <a:tableStyleId>{5C22544A-7EE6-4342-B048-85BDC9FD1C3A}</a:tableStyleId>
+              </a:tblPr>
+              <a:tblGrid>
+                <a:gridCol w="360000"/>
+                <a:gridCol w="360000"/>
+                <a:gridCol w="360000"/>
+                <a:gridCol w="360000"/>
+              </a:tblGrid>
+              <a:tr h="288000">
+                <a:tc>
+                  <a:txBody>
+                    <a:bodyPr/>
+                    <a:lstStyle/>
+                    <a:p>
+                      <a:r>
+                        <a:t>District</a:t>
+                      </a:r>
+                    </a:p>
+                  </a:txBody>
+                  <a:tcPr/>
+                </a:tc>
+                <a:tc>
+                  <a:txBody>
+                    <a:bodyPr/>
+                    <a:lstStyle/>
+                    <a:p>
+                      <a:r>
+                        <a:t>Population</a:t>
+                      </a:r>
+                    </a:p>
+                  </a:txBody>
+                  <a:tcPr/>
+                </a:tc>
+                <a:tc>
+                  <a:txBody>
+                    <a:bodyPr/>
+                    <a:lstStyle/>
+                    <a:p>
+                      <a:r>
+                        <a:t>Ratio</a:t>
+                      </a:r>
+                    </a:p>
+                  </a:txBody>
+                  <a:tcPr/>
+                </a:tc>
+                <a:tc>
+                  <a:txBody>
+                    <a:bodyPr/>
+                    <a:lstStyle/>
+                    <a:p>
+                      <a:r>
+                        <a:t>dddd</a:t>
+                      </a:r>
+                    </a:p>
+                  </a:txBody>
+                  <a:tcPr/>
+                </a:tc>
+              </a:tr>
+              <a:tr h="288000">
+                <a:tc>
+                  <a:txBody>
+                    <a:bodyPr/>
+                    <a:lstStyle/>
+                    <a:p>
+                      <a:r>
+                        <a:t>Hampshire</a:t>
+                      </a:r>
+                    </a:p>
+                  </a:txBody>
+                  <a:tcPr/>
+                </a:tc>
+                <a:tc>
+                  <a:txBody>
+                    <a:bodyPr/>
+                    <a:lstStyle/>
+                    <a:p>
+                      <a:r>
+                        <a:t>25000</a:t>
+                      </a:r>
+                    </a:p>
+                  </a:txBody>
+                  <a:tcPr/>
+                </a:tc>
+                <a:tc>
+                  <a:txBody>
+                    <a:bodyPr/>
+                    <a:lstStyle/>
+                    <a:p>
+                      <a:r>
+                        <a:t>1.56</a:t>
+                      </a:r>
+                    </a:p>
+                  </a:txBody>
+                  <a:tcPr/>
+                </a:tc>
+                <a:tc>
+                  <a:txBody>
+                    <a:bodyPr/>
+                    <a:lstStyle/>
+                    <a:p>
+                      <a:r>
+                        <a:t>15</a:t>
+                      </a:r>
+                    </a:p>
+                  </a:txBody>
+                  <a:tcPr/>
+                </a:tc>
+              </a:tr>
+              <a:tr h="288000">
+                <a:tc>
+                  <a:txBody>
+                    <a:bodyPr/>
+                    <a:lstStyle/>
+                    <a:p>
+                      <a:r>
+                        <a:t>Dorset</a:t>
+                      </a:r>
+                    </a:p>
+                  </a:txBody>
+                  <a:tcPr/>
+                </a:tc>
+                <a:tc>
+                  <a:txBody>
+                    <a:bodyPr/>
+                    <a:lstStyle/>
+                    <a:p>
+                      <a:r>
+                        <a:t>500000</a:t>
+                      </a:r>
+                    </a:p>
+                  </a:txBody>
+                  <a:tcPr/>
+                </a:tc>
+                <a:tc>
+                  <a:txBody>
+                    <a:bodyPr/>
+                    <a:lstStyle/>
+                    <a:p>
+                      <a:r>
+                        <a:t>7.34</a:t>
+                      </a:r>
+                    </a:p>
+                  </a:txBody>
+                  <a:tcPr/>
+                </a:tc>
+                <a:tc>
+                  <a:txBody>
+                    <a:bodyPr/>
+                    <a:lstStyle/>
+                    <a:p>
+                      <a:r>
+                        <a:t>65</a:t>
+                      </a:r>
+                    </a:p>
+                  </a:txBody>
+                  <a:tcPr/>
+                </a:tc>
+              </a:tr>
+              <a:tr h="288000">
+                <a:tc>
+                  <a:txBody>
+                    <a:bodyPr/>
+                    <a:lstStyle/>
+                    <a:p>
+                      <a:r>
+                        <a:t>Wiltshire</a:t>
+                      </a:r>
+                    </a:p>
+                  </a:txBody>
+                  <a:tcPr/>
+                </a:tc>
+                <a:tc>
+                  <a:txBody>
+                    <a:bodyPr/>
+                    <a:lstStyle/>
+                    <a:p>
+                      <a:r>
+                        <a:t>735298</a:t>
+                      </a:r>
+                    </a:p>
+                  </a:txBody>
+                  <a:tcPr/>
+                </a:tc>
+                <a:tc>
+                  <a:txBody>
+                    <a:bodyPr/>
+                    <a:lstStyle/>
+                    <a:p>
+                      <a:r>
+                        <a:t>3.67</a:t>
+                      </a:r>
+                    </a:p>
+                  </a:txBody>
+                  <a:tcPr/>
+                </a:tc>
+                <a:tc>
+                  <a:txBody>
+                    <a:bodyPr/>
+                    <a:lstStyle/>
+                    <a:p>
+                      <a:r>
+                        <a:t>25</a:t>
+                      </a:r>
+                    </a:p>
+                  </a:txBody>
+                  <a:tcPr/>
+                </a:tc>
+              </a:tr>
+              <a:tr h="288000">
+                <a:tc>
+                  <a:txBody>
+                    <a:bodyPr/>
+                    <a:lstStyle/>
+                    <a:p>
+                      <a:r>
+                        <a:t>Worcestershire</a:t>
+                      </a:r>
+                    </a:p>
+                  </a:txBody>
+                  <a:tcPr/>
+                </a:tc>
+                <a:tc>
+                  <a:txBody>
+                    <a:bodyPr/>
+                    <a:lstStyle/>
+                    <a:p>
+                      <a:r>
+                        <a:t>12653</a:t>
+                      </a:r>
+                    </a:p>
+                  </a:txBody>
+                  <a:tcPr/>
+                </a:tc>
+                <a:tc>
+                  <a:txBody>
+                    <a:bodyPr/>
+                    <a:lstStyle/>
+                    <a:p>
+                      <a:r>
+                        <a:t>8.23</a:t>
+                      </a:r>
+                    </a:p>
+                  </a:txBody>
+                  <a:tcPr/>
+                </a:tc>
+                <a:tc>
+                  <a:txBody>
+                    <a:bodyPr/>
+                    <a:lstStyle/>
+                    <a:p>
+                      <a:r>
+                        <a:t>65</a:t>
+                      </a:r>
+                    </a:p>
+                  </a:txBody>
+                  <a:tcPr/>
+                </a:tc>
+              </a:tr>
+            </a:tbl>
+          </a:graphicData>
+        </a:graphic>
+      </p:graphicFrame>
+    </p:spTree>
+  </p:cSld>
+  <p:clrMapOvr>
+    <a:masterClrMapping/>
+  </p:clrMapOvr>
+</p:sld>
+</file>
+
+<file path=ppt/slides/slide6.xml><?xml version="1.0" encoding="utf-8"?>
+<p:sld xmlns:a="http://schemas.openxmlformats.org/drawingml/2006/main" xmlns:p="http://schemas.openxmlformats.org/presentationml/2006/main" xmlns:r="http://schemas.openxmlformats.org/officeDocument/2006/relationships">
+  <p:cSld>
+    <p:spTree>
+      <p:nvGrpSpPr>
+        <p:cNvPr id="1" name=""/>
+        <p:cNvGrpSpPr/>
+        <p:nvPr/>
+      </p:nvGrpSpPr>
+      <p:grpSpPr/>
+      <p:sp>
+        <p:nvSpPr>
+          <p:cNvPr id="2" name="Title 1"/>
+          <p:cNvSpPr>
+            <a:spLocks noGrp="1"/>
+          </p:cNvSpPr>
+          <p:nvPr>
+            <p:ph type="ctrTitle"/>
+          </p:nvPr>
+        </p:nvSpPr>
+        <p:spPr/>
+        <p:txBody>
+          <a:bodyPr/>
+          <a:lstStyle/>
+          <a:p/>
+        </p:txBody>
+      </p:sp>
+      <p:sp>
+        <p:nvSpPr>
+          <p:cNvPr id="3" name="Subtitle 2"/>
+          <p:cNvSpPr>
+            <a:spLocks noGrp="1"/>
+          </p:cNvSpPr>
+          <p:nvPr>
+            <p:ph type="subTitle" idx="1"/>
+          </p:nvPr>
+        </p:nvSpPr>
+        <p:spPr/>
+        <p:txBody>
+          <a:bodyPr/>
+          <a:lstStyle/>
+          <a:p/>
+        </p:txBody>
+      </p:sp>
+      <p:graphicFrame>
+        <p:nvGraphicFramePr>
+          <p:cNvPr id="4" name="Table 3"/>
+          <p:cNvGraphicFramePr>
+            <a:graphicFrameLocks noGrp="1"/>
+          </p:cNvGraphicFramePr>
+          <p:nvPr/>
+        </p:nvGraphicFramePr>
+        <p:xfrm>
+          <a:off x="1440000" y="1440000"/>
+          <a:ext cx="1440000" cy="1440000"/>
+        </p:xfrm>
+        <a:graphic>
+          <a:graphicData uri="http://schemas.openxmlformats.org/drawingml/2006/table">
+            <a:tbl>
+              <a:tblPr firstRow="1" bandRow="1">
+                <a:tableStyleId>{5C22544A-7EE6-4342-B048-85BDC9FD1C3A}</a:tableStyleId>
+              </a:tblPr>
+              <a:tblGrid>
+                <a:gridCol w="360000"/>
+                <a:gridCol w="360000"/>
+                <a:gridCol w="360000"/>
+                <a:gridCol w="360000"/>
+              </a:tblGrid>
+              <a:tr h="288000">
+                <a:tc>
+                  <a:txBody>
+                    <a:bodyPr/>
+                    <a:lstStyle/>
+                    <a:p>
+                      <a:r>
+                        <a:t>District</a:t>
+                      </a:r>
+                    </a:p>
+                  </a:txBody>
+                  <a:tcPr/>
+                </a:tc>
+                <a:tc>
+                  <a:txBody>
+                    <a:bodyPr/>
+                    <a:lstStyle/>
+                    <a:p>
+                      <a:r>
+                        <a:t>Population</a:t>
+                      </a:r>
+                    </a:p>
+                  </a:txBody>
+                  <a:tcPr/>
+                </a:tc>
+                <a:tc>
+                  <a:txBody>
+                    <a:bodyPr/>
+                    <a:lstStyle/>
+                    <a:p>
+                      <a:r>
+                        <a:t>Ratio</a:t>
+                      </a:r>
+                    </a:p>
+                  </a:txBody>
+                  <a:tcPr/>
+                </a:tc>
+                <a:tc>
+                  <a:txBody>
+                    <a:bodyPr/>
+                    <a:lstStyle/>
+                    <a:p>
+                      <a:r>
+                        <a:t>dddd</a:t>
+                      </a:r>
+                    </a:p>
+                  </a:txBody>
+                  <a:tcPr/>
+                </a:tc>
+              </a:tr>
+              <a:tr h="288000">
+                <a:tc>
+                  <a:txBody>
+                    <a:bodyPr/>
+                    <a:lstStyle/>
+                    <a:p>
+                      <a:r>
+                        <a:t>Hampshire</a:t>
+                      </a:r>
+                    </a:p>
+                  </a:txBody>
+                  <a:tcPr/>
+                </a:tc>
+                <a:tc>
+                  <a:txBody>
+                    <a:bodyPr/>
+                    <a:lstStyle/>
+                    <a:p>
+                      <a:r>
+                        <a:t>25000</a:t>
+                      </a:r>
+                    </a:p>
+                  </a:txBody>
+                  <a:tcPr/>
+                </a:tc>
+                <a:tc>
+                  <a:txBody>
+                    <a:bodyPr/>
+                    <a:lstStyle/>
+                    <a:p>
+                      <a:r>
+                        <a:t>1.56</a:t>
+                      </a:r>
+                    </a:p>
+                  </a:txBody>
+                  <a:tcPr/>
+                </a:tc>
+                <a:tc>
+                  <a:txBody>
+                    <a:bodyPr/>
+                    <a:lstStyle/>
+                    <a:p>
+                      <a:r>
+                        <a:t>15</a:t>
+                      </a:r>
+                    </a:p>
+                  </a:txBody>
+                  <a:tcPr/>
+                </a:tc>
+              </a:tr>
+              <a:tr h="288000">
+                <a:tc>
+                  <a:txBody>
+                    <a:bodyPr/>
+                    <a:lstStyle/>
+                    <a:p>
+                      <a:r>
+                        <a:t>Dorset</a:t>
+                      </a:r>
+                    </a:p>
+                  </a:txBody>
+                  <a:tcPr/>
+                </a:tc>
+                <a:tc>
+                  <a:txBody>
+                    <a:bodyPr/>
+                    <a:lstStyle/>
+                    <a:p>
+                      <a:r>
+                        <a:t>500000</a:t>
+                      </a:r>
+                    </a:p>
+                  </a:txBody>
+                  <a:tcPr/>
+                </a:tc>
+                <a:tc>
+                  <a:txBody>
+                    <a:bodyPr/>
+                    <a:lstStyle/>
+                    <a:p>
+                      <a:r>
+                        <a:t>7.34</a:t>
+                      </a:r>
+                    </a:p>
+                  </a:txBody>
+                  <a:tcPr/>
+                </a:tc>
+                <a:tc>
+                  <a:txBody>
+                    <a:bodyPr/>
+                    <a:lstStyle/>
+                    <a:p>
+                      <a:r>
+                        <a:t>65</a:t>
+                      </a:r>
+                    </a:p>
+                  </a:txBody>
+                  <a:tcPr/>
+                </a:tc>
+              </a:tr>
+              <a:tr h="288000">
+                <a:tc>
+                  <a:txBody>
+                    <a:bodyPr/>
+                    <a:lstStyle/>
+                    <a:p>
+                      <a:r>
+                        <a:t>Wiltshire</a:t>
+                      </a:r>
+                    </a:p>
+                  </a:txBody>
+                  <a:tcPr/>
+                </a:tc>
+                <a:tc>
+                  <a:txBody>
+                    <a:bodyPr/>
+                    <a:lstStyle/>
+                    <a:p>
+                      <a:r>
+                        <a:t>735298</a:t>
+                      </a:r>
+                    </a:p>
+                  </a:txBody>
+                  <a:tcPr/>
+                </a:tc>
+                <a:tc>
+                  <a:txBody>
+                    <a:bodyPr/>
+                    <a:lstStyle/>
+                    <a:p>
+                      <a:r>
+                        <a:t>3.67</a:t>
+                      </a:r>
+                    </a:p>
+                  </a:txBody>
+                  <a:tcPr/>
+                </a:tc>
+                <a:tc>
+                  <a:txBody>
+                    <a:bodyPr/>
+                    <a:lstStyle/>
+                    <a:p>
+                      <a:r>
+                        <a:t>25</a:t>
+                      </a:r>
+                    </a:p>
+                  </a:txBody>
+                  <a:tcPr/>
+                </a:tc>
+              </a:tr>
+              <a:tr h="288000">
+                <a:tc>
+                  <a:txBody>
+                    <a:bodyPr/>
+                    <a:lstStyle/>
+                    <a:p>
+                      <a:r>
+                        <a:t>Worcestershire</a:t>
+                      </a:r>
+                    </a:p>
+                  </a:txBody>
+                  <a:tcPr/>
+                </a:tc>
+                <a:tc>
+                  <a:txBody>
+                    <a:bodyPr/>
+                    <a:lstStyle/>
+                    <a:p>
+                      <a:r>
+                        <a:t>12653</a:t>
+                      </a:r>
+                    </a:p>
+                  </a:txBody>
+                  <a:tcPr/>
+                </a:tc>
+                <a:tc>
+                  <a:txBody>
+                    <a:bodyPr/>
+                    <a:lstStyle/>
+                    <a:p>
+                      <a:r>
+                        <a:t>8.23</a:t>
+                      </a:r>
+                    </a:p>
+                  </a:txBody>
+                  <a:tcPr/>
+                </a:tc>
+                <a:tc>
+                  <a:txBody>
+                    <a:bodyPr/>
+                    <a:lstStyle/>
+                    <a:p>
+                      <a:r>
+                        <a:t>65</a:t>
+                      </a:r>
+                    </a:p>
+                  </a:txBody>
+                  <a:tcPr/>
+                </a:tc>
+              </a:tr>
+            </a:tbl>
+          </a:graphicData>
+        </a:graphic>
+      </p:graphicFrame>
+    </p:spTree>
+  </p:cSld>
+  <p:clrMapOvr>
+    <a:masterClrMapping/>
+  </p:clrMapOvr>
+</p:sld>
+</file>
+
+<file path=ppt/slides/slide7.xml><?xml version="1.0" encoding="utf-8"?>
+<p:sld xmlns:a="http://schemas.openxmlformats.org/drawingml/2006/main" xmlns:p="http://schemas.openxmlformats.org/presentationml/2006/main" xmlns:r="http://schemas.openxmlformats.org/officeDocument/2006/relationships">
+  <p:cSld>
+    <p:spTree>
+      <p:nvGrpSpPr>
+        <p:cNvPr id="1" name=""/>
+        <p:cNvGrpSpPr/>
+        <p:nvPr/>
+      </p:nvGrpSpPr>
+      <p:grpSpPr/>
+      <p:sp>
+        <p:nvSpPr>
+          <p:cNvPr id="2" name="Title 1"/>
+          <p:cNvSpPr>
+            <a:spLocks noGrp="1"/>
+          </p:cNvSpPr>
+          <p:nvPr>
+            <p:ph type="ctrTitle"/>
+          </p:nvPr>
+        </p:nvSpPr>
+        <p:spPr/>
+        <p:txBody>
+          <a:bodyPr/>
+          <a:lstStyle/>
+          <a:p/>
+        </p:txBody>
+      </p:sp>
+      <p:sp>
+        <p:nvSpPr>
+          <p:cNvPr id="3" name="Subtitle 2"/>
+          <p:cNvSpPr>
+            <a:spLocks noGrp="1"/>
+          </p:cNvSpPr>
+          <p:nvPr>
+            <p:ph type="subTitle" idx="1"/>
+          </p:nvPr>
+        </p:nvSpPr>
+        <p:spPr/>
+        <p:txBody>
+          <a:bodyPr/>
+          <a:lstStyle/>
+          <a:p/>
+        </p:txBody>
+      </p:sp>
+      <p:graphicFrame>
+        <p:nvGraphicFramePr>
+          <p:cNvPr id="4" name="Table 3"/>
+          <p:cNvGraphicFramePr>
+            <a:graphicFrameLocks noGrp="1"/>
+          </p:cNvGraphicFramePr>
+          <p:nvPr/>
+        </p:nvGraphicFramePr>
+        <p:xfrm>
+          <a:off x="1440000" y="1440000"/>
+          <a:ext cx="1440000" cy="1440000"/>
+        </p:xfrm>
+        <a:graphic>
+          <a:graphicData uri="http://schemas.openxmlformats.org/drawingml/2006/table">
+            <a:tbl>
+              <a:tblPr firstRow="1" bandRow="1">
+                <a:tableStyleId>{5C22544A-7EE6-4342-B048-85BDC9FD1C3A}</a:tableStyleId>
+              </a:tblPr>
+              <a:tblGrid>
+                <a:gridCol w="360000"/>
+                <a:gridCol w="360000"/>
+                <a:gridCol w="360000"/>
+                <a:gridCol w="360000"/>
+              </a:tblGrid>
+              <a:tr h="288000">
+                <a:tc>
+                  <a:txBody>
+                    <a:bodyPr/>
+                    <a:lstStyle/>
+                    <a:p>
+                      <a:r>
+                        <a:t>District</a:t>
+                      </a:r>
+                    </a:p>
+                  </a:txBody>
+                  <a:tcPr/>
+                </a:tc>
+                <a:tc>
+                  <a:txBody>
+                    <a:bodyPr/>
+                    <a:lstStyle/>
+                    <a:p>
+                      <a:r>
+                        <a:t>Population</a:t>
+                      </a:r>
+                    </a:p>
+                  </a:txBody>
+                  <a:tcPr/>
+                </a:tc>
+                <a:tc>
+                  <a:txBody>
+                    <a:bodyPr/>
+                    <a:lstStyle/>
+                    <a:p>
+                      <a:r>
+                        <a:t>Ratio</a:t>
+                      </a:r>
+                    </a:p>
+                  </a:txBody>
+                  <a:tcPr/>
+                </a:tc>
+                <a:tc>
+                  <a:txBody>
+                    <a:bodyPr/>
+                    <a:lstStyle/>
+                    <a:p>
+                      <a:r>
+                        <a:t>dddd</a:t>
+                      </a:r>
+                    </a:p>
+                  </a:txBody>
+                  <a:tcPr/>
+                </a:tc>
+              </a:tr>
+              <a:tr h="288000">
+                <a:tc>
+                  <a:txBody>
+                    <a:bodyPr/>
+                    <a:lstStyle/>
+                    <a:p>
+                      <a:r>
+                        <a:t>Hampshire</a:t>
+                      </a:r>
+                    </a:p>
+                  </a:txBody>
+                  <a:tcPr/>
+                </a:tc>
+                <a:tc>
+                  <a:txBody>
+                    <a:bodyPr/>
+                    <a:lstStyle/>
+                    <a:p>
+                      <a:r>
+                        <a:t>25000</a:t>
+                      </a:r>
+                    </a:p>
+                  </a:txBody>
+                  <a:tcPr/>
+                </a:tc>
+                <a:tc>
+                  <a:txBody>
+                    <a:bodyPr/>
+                    <a:lstStyle/>
+                    <a:p>
+                      <a:r>
+                        <a:t>1.56</a:t>
+                      </a:r>
+                    </a:p>
+                  </a:txBody>
+                  <a:tcPr/>
+                </a:tc>
+                <a:tc>
+                  <a:txBody>
+                    <a:bodyPr/>
+                    <a:lstStyle/>
+                    <a:p>
+                      <a:r>
+                        <a:t>15</a:t>
+                      </a:r>
+                    </a:p>
+                  </a:txBody>
+                  <a:tcPr/>
+                </a:tc>
+              </a:tr>
+              <a:tr h="288000">
+                <a:tc>
+                  <a:txBody>
+                    <a:bodyPr/>
+                    <a:lstStyle/>
+                    <a:p>
+                      <a:r>
+                        <a:t>Dorset</a:t>
+                      </a:r>
+                    </a:p>
+                  </a:txBody>
+                  <a:tcPr/>
+                </a:tc>
+                <a:tc>
+                  <a:txBody>
+                    <a:bodyPr/>
+                    <a:lstStyle/>
+                    <a:p>
+                      <a:r>
+                        <a:t>500000</a:t>
+                      </a:r>
+                    </a:p>
+                  </a:txBody>
+                  <a:tcPr/>
+                </a:tc>
+                <a:tc>
+                  <a:txBody>
+                    <a:bodyPr/>
+                    <a:lstStyle/>
+                    <a:p>
+                      <a:r>
+                        <a:t>7.34</a:t>
+                      </a:r>
+                    </a:p>
+                  </a:txBody>
+                  <a:tcPr/>
+                </a:tc>
+                <a:tc>
+                  <a:txBody>
+                    <a:bodyPr/>
+                    <a:lstStyle/>
+                    <a:p>
+                      <a:r>
+                        <a:t>65</a:t>
+                      </a:r>
+                    </a:p>
+                  </a:txBody>
+                  <a:tcPr/>
+                </a:tc>
+              </a:tr>
+              <a:tr h="288000">
+                <a:tc>
+                  <a:txBody>
+                    <a:bodyPr/>
+                    <a:lstStyle/>
+                    <a:p>
+                      <a:r>
+                        <a:t>Wiltshire</a:t>
+                      </a:r>
+                    </a:p>
+                  </a:txBody>
+                  <a:tcPr/>
+                </a:tc>
+                <a:tc>
+                  <a:txBody>
+                    <a:bodyPr/>
+                    <a:lstStyle/>
+                    <a:p>
+                      <a:r>
+                        <a:t>735298</a:t>
+                      </a:r>
+                    </a:p>
+                  </a:txBody>
+                  <a:tcPr/>
+                </a:tc>
+                <a:tc>
+                  <a:txBody>
+                    <a:bodyPr/>
+                    <a:lstStyle/>
+                    <a:p>
+                      <a:r>
+                        <a:t>3.67</a:t>
+                      </a:r>
+                    </a:p>
+                  </a:txBody>
+                  <a:tcPr/>
+                </a:tc>
+                <a:tc>
+                  <a:txBody>
+                    <a:bodyPr/>
+                    <a:lstStyle/>
+                    <a:p>
+                      <a:r>
+                        <a:t>25</a:t>
+                      </a:r>
+                    </a:p>
+                  </a:txBody>
+                  <a:tcPr/>
+                </a:tc>
+              </a:tr>
+              <a:tr h="288000">
+                <a:tc>
+                  <a:txBody>
+                    <a:bodyPr/>
+                    <a:lstStyle/>
+                    <a:p>
+                      <a:r>
+                        <a:t>Worcestershire</a:t>
+                      </a:r>
+                    </a:p>
+                  </a:txBody>
+                  <a:tcPr/>
+                </a:tc>
+                <a:tc>
+                  <a:txBody>
+                    <a:bodyPr/>
+                    <a:lstStyle/>
+                    <a:p>
+                      <a:r>
+                        <a:t>12653</a:t>
+                      </a:r>
+                    </a:p>
+                  </a:txBody>
+                  <a:tcPr/>
+                </a:tc>
+                <a:tc>
+                  <a:txBody>
+                    <a:bodyPr/>
+                    <a:lstStyle/>
+                    <a:p>
+                      <a:r>
+                        <a:t>8.23</a:t>
+                      </a:r>
+                    </a:p>
+                  </a:txBody>
+                  <a:tcPr/>
+                </a:tc>
+                <a:tc>
+                  <a:txBody>
+                    <a:bodyPr/>
+                    <a:lstStyle/>
+                    <a:p>
+                      <a:r>
+                        <a:t>65</a:t>
+                      </a:r>
+                    </a:p>
+                  </a:txBody>
+                  <a:tcPr/>
+                </a:tc>
+              </a:tr>
+            </a:tbl>
+          </a:graphicData>
+        </a:graphic>
+      </p:graphicFrame>
+    </p:spTree>
+  </p:cSld>
+  <p:clrMapOvr>
+    <a:masterClrMapping/>
+  </p:clrMapOvr>
+</p:sld>
+</file>
+
+<file path=ppt/slides/slide8.xml><?xml version="1.0" encoding="utf-8"?>
+<p:sld xmlns:a="http://schemas.openxmlformats.org/drawingml/2006/main" xmlns:p="http://schemas.openxmlformats.org/presentationml/2006/main" xmlns:r="http://schemas.openxmlformats.org/officeDocument/2006/relationships">
+  <p:cSld>
+    <p:spTree>
+      <p:nvGrpSpPr>
+        <p:cNvPr id="1" name=""/>
+        <p:cNvGrpSpPr/>
+        <p:nvPr/>
+      </p:nvGrpSpPr>
+      <p:grpSpPr/>
+      <p:sp>
+        <p:nvSpPr>
+          <p:cNvPr id="2" name="Title 1"/>
+          <p:cNvSpPr>
+            <a:spLocks noGrp="1"/>
+          </p:cNvSpPr>
+          <p:nvPr>
+            <p:ph type="ctrTitle"/>
+          </p:nvPr>
+        </p:nvSpPr>
+        <p:spPr/>
+        <p:txBody>
+          <a:bodyPr/>
+          <a:lstStyle/>
+          <a:p/>
+        </p:txBody>
+      </p:sp>
+      <p:sp>
+        <p:nvSpPr>
+          <p:cNvPr id="3" name="Subtitle 2"/>
+          <p:cNvSpPr>
+            <a:spLocks noGrp="1"/>
+          </p:cNvSpPr>
+          <p:nvPr>
+            <p:ph type="subTitle" idx="1"/>
+          </p:nvPr>
+        </p:nvSpPr>
+        <p:spPr/>
+        <p:txBody>
+          <a:bodyPr/>
+          <a:lstStyle/>
+          <a:p/>
+        </p:txBody>
+      </p:sp>
+      <p:graphicFrame>
+        <p:nvGraphicFramePr>
+          <p:cNvPr id="4" name="Table 3"/>
+          <p:cNvGraphicFramePr>
+            <a:graphicFrameLocks noGrp="1"/>
+          </p:cNvGraphicFramePr>
+          <p:nvPr/>
+        </p:nvGraphicFramePr>
+        <p:xfrm>
+          <a:off x="1440000" y="1440000"/>
+          <a:ext cx="1440000" cy="1440000"/>
+        </p:xfrm>
+        <a:graphic>
+          <a:graphicData uri="http://schemas.openxmlformats.org/drawingml/2006/table">
+            <a:tbl>
+              <a:tblPr firstRow="1" bandRow="1">
+                <a:tableStyleId>{5C22544A-7EE6-4342-B048-85BDC9FD1C3A}</a:tableStyleId>
+              </a:tblPr>
+              <a:tblGrid>
+                <a:gridCol w="360000"/>
+                <a:gridCol w="360000"/>
+                <a:gridCol w="360000"/>
+                <a:gridCol w="360000"/>
+              </a:tblGrid>
+              <a:tr h="288000">
+                <a:tc>
+                  <a:txBody>
+                    <a:bodyPr/>
+                    <a:lstStyle/>
+                    <a:p>
+                      <a:r>
+                        <a:t>District</a:t>
+                      </a:r>
+                    </a:p>
+                  </a:txBody>
+                  <a:tcPr/>
+                </a:tc>
+                <a:tc>
+                  <a:txBody>
+                    <a:bodyPr/>
+                    <a:lstStyle/>
+                    <a:p>
+                      <a:r>
+                        <a:t>Population</a:t>
+                      </a:r>
+                    </a:p>
+                  </a:txBody>
+                  <a:tcPr/>
+                </a:tc>
+                <a:tc>
+                  <a:txBody>
+                    <a:bodyPr/>
+                    <a:lstStyle/>
+                    <a:p>
+                      <a:r>
+                        <a:t>Ratio</a:t>
+                      </a:r>
+                    </a:p>
+                  </a:txBody>
+                  <a:tcPr/>
+                </a:tc>
+                <a:tc>
+                  <a:txBody>
+                    <a:bodyPr/>
+                    <a:lstStyle/>
+                    <a:p>
+                      <a:r>
+                        <a:t>dddd</a:t>
+                      </a:r>
+                    </a:p>
+                  </a:txBody>
+                  <a:tcPr/>
+                </a:tc>
+              </a:tr>
+              <a:tr h="288000">
+                <a:tc>
+                  <a:txBody>
+                    <a:bodyPr/>
+                    <a:lstStyle/>
+                    <a:p>
+                      <a:r>
+                        <a:t>Hampshire</a:t>
+                      </a:r>
+                    </a:p>
+                  </a:txBody>
+                  <a:tcPr/>
+                </a:tc>
+                <a:tc>
+                  <a:txBody>
+                    <a:bodyPr/>
+                    <a:lstStyle/>
+                    <a:p>
+                      <a:r>
+                        <a:t>25000</a:t>
+                      </a:r>
+                    </a:p>
+                  </a:txBody>
+                  <a:tcPr/>
+                </a:tc>
+                <a:tc>
+                  <a:txBody>
+                    <a:bodyPr/>
+                    <a:lstStyle/>
+                    <a:p>
+                      <a:r>
+                        <a:t>1.56</a:t>
+                      </a:r>
+                    </a:p>
+                  </a:txBody>
+                  <a:tcPr/>
+                </a:tc>
+                <a:tc>
+                  <a:txBody>
+                    <a:bodyPr/>
+                    <a:lstStyle/>
+                    <a:p>
+                      <a:r>
+                        <a:t>15</a:t>
+                      </a:r>
+                    </a:p>
+                  </a:txBody>
+                  <a:tcPr/>
+                </a:tc>
+              </a:tr>
+              <a:tr h="288000">
+                <a:tc>
+                  <a:txBody>
+                    <a:bodyPr/>
+                    <a:lstStyle/>
+                    <a:p>
+                      <a:r>
+                        <a:t>Dorset</a:t>
+                      </a:r>
+                    </a:p>
+                  </a:txBody>
+                  <a:tcPr/>
+                </a:tc>
+                <a:tc>
+                  <a:txBody>
+                    <a:bodyPr/>
+                    <a:lstStyle/>
+                    <a:p>
+                      <a:r>
+                        <a:t>500000</a:t>
+                      </a:r>
+                    </a:p>
+                  </a:txBody>
+                  <a:tcPr/>
+                </a:tc>
+                <a:tc>
+                  <a:txBody>
+                    <a:bodyPr/>
+                    <a:lstStyle/>
+                    <a:p>
+                      <a:r>
+                        <a:t>7.34</a:t>
+                      </a:r>
+                    </a:p>
+                  </a:txBody>
+                  <a:tcPr/>
+                </a:tc>
+                <a:tc>
+                  <a:txBody>
+                    <a:bodyPr/>
+                    <a:lstStyle/>
+                    <a:p>
+                      <a:r>
+                        <a:t>65</a:t>
+                      </a:r>
+                    </a:p>
+                  </a:txBody>
+                  <a:tcPr/>
+                </a:tc>
+              </a:tr>
+              <a:tr h="288000">
+                <a:tc>
+                  <a:txBody>
+                    <a:bodyPr/>
+                    <a:lstStyle/>
+                    <a:p>
+                      <a:r>
+                        <a:t>Wiltshire</a:t>
+                      </a:r>
+                    </a:p>
+                  </a:txBody>
+                  <a:tcPr/>
+                </a:tc>
+                <a:tc>
+                  <a:txBody>
+                    <a:bodyPr/>
+                    <a:lstStyle/>
+                    <a:p>
+                      <a:r>
+                        <a:t>735298</a:t>
+                      </a:r>
+                    </a:p>
+                  </a:txBody>
+                  <a:tcPr/>
+                </a:tc>
+                <a:tc>
+                  <a:txBody>
+                    <a:bodyPr/>
+                    <a:lstStyle/>
+                    <a:p>
+                      <a:r>
+                        <a:t>3.67</a:t>
+                      </a:r>
+                    </a:p>
+                  </a:txBody>
+                  <a:tcPr/>
+                </a:tc>
+                <a:tc>
+                  <a:txBody>
+                    <a:bodyPr/>
+                    <a:lstStyle/>
+                    <a:p>
+                      <a:r>
+                        <a:t>25</a:t>
+                      </a:r>
+                    </a:p>
+                  </a:txBody>
+                  <a:tcPr/>
+                </a:tc>
+              </a:tr>
+              <a:tr h="288000">
+                <a:tc>
+                  <a:txBody>
+                    <a:bodyPr/>
+                    <a:lstStyle/>
+                    <a:p>
+                      <a:r>
+                        <a:t>Worcestershire</a:t>
+                      </a:r>
+                    </a:p>
+                  </a:txBody>
+                  <a:tcPr/>
+                </a:tc>
+                <a:tc>
+                  <a:txBody>
+                    <a:bodyPr/>
+                    <a:lstStyle/>
+                    <a:p>
+                      <a:r>
+                        <a:t>12653</a:t>
+                      </a:r>
+                    </a:p>
+                  </a:txBody>
+                  <a:tcPr/>
+                </a:tc>
+                <a:tc>
+                  <a:txBody>
+                    <a:bodyPr/>
+                    <a:lstStyle/>
+                    <a:p>
+                      <a:r>
+                        <a:t>8.23</a:t>
+                      </a:r>
+                    </a:p>
+                  </a:txBody>
+                  <a:tcPr/>
+                </a:tc>
+                <a:tc>
+                  <a:txBody>
+                    <a:bodyPr/>
+                    <a:lstStyle/>
+                    <a:p>
+                      <a:r>
+                        <a:t>65</a:t>
+                      </a:r>
+                    </a:p>
+                  </a:txBody>
+                  <a:tcPr/>
+                </a:tc>
+              </a:tr>
+            </a:tbl>
+          </a:graphicData>
+        </a:graphic>
+      </p:graphicFrame>
+    </p:spTree>
+  </p:cSld>
+  <p:clrMapOvr>
+    <a:masterClrMapping/>
+  </p:clrMapOvr>
+</p:sld>
+</file>
+
+<file path=ppt/slides/slide9.xml><?xml version="1.0" encoding="utf-8"?>
 <p:sld xmlns:a="http://schemas.openxmlformats.org/drawingml/2006/main" xmlns:p="http://schemas.openxmlformats.org/presentationml/2006/main" xmlns:r="http://schemas.openxmlformats.org/officeDocument/2006/relationships">
   <p:cSld>
     <p:spTree>
